--- a/Instructor-Led/Module4/Lessons/Module4_Lesson9 Hive Query Language In-Depth.pptx
+++ b/Instructor-Led/Module4/Lessons/Module4_Lesson9 Hive Query Language In-Depth.pptx
@@ -214,7 +214,7 @@
             <a:fld id="{49B60EF2-7028-489F-85D8-FE86CD7CF2A0}" type="datetimeFigureOut">
               <a:rPr lang="en-US" smtClean="0"/>
               <a:pPr/>
-              <a:t>6/22/16</a:t>
+              <a:t>6/23/16</a:t>
             </a:fld>
             <a:endParaRPr lang="en-US"/>
           </a:p>
@@ -526,7 +526,70 @@
           <a:bodyPr/>
           <a:lstStyle/>
           <a:p>
-            <a:endParaRPr lang="en-US" dirty="0"/>
+            <a:r>
+              <a:rPr lang="en-US" b="1" dirty="0" smtClean="0"/>
+              <a:t>Notes</a:t>
+            </a:r>
+            <a:r>
+              <a:rPr lang="en-US" b="1" baseline="0" dirty="0" smtClean="0"/>
+              <a:t>: </a:t>
+            </a:r>
+          </a:p>
+          <a:p>
+            <a:pPr marL="171450" indent="-171450">
+              <a:buFont typeface="Arial"/>
+              <a:buChar char="•"/>
+            </a:pPr>
+            <a:r>
+              <a:rPr lang="en-US" b="0" baseline="0" dirty="0" smtClean="0"/>
+              <a:t>The Module 4 </a:t>
+            </a:r>
+            <a:r>
+              <a:rPr lang="en-US" b="0" baseline="0" smtClean="0"/>
+              <a:t>Lesson </a:t>
+            </a:r>
+            <a:r>
+              <a:rPr lang="en-US" b="0" baseline="0" smtClean="0"/>
+              <a:t>9 </a:t>
+            </a:r>
+            <a:r>
+              <a:rPr lang="en-US" b="0" baseline="0" dirty="0" smtClean="0"/>
+              <a:t>Lab should be completed at this time:</a:t>
+            </a:r>
+          </a:p>
+          <a:p>
+            <a:pPr marL="628650" lvl="1" indent="-171450">
+              <a:buFont typeface="Arial"/>
+              <a:buChar char="•"/>
+            </a:pPr>
+            <a:r>
+              <a:rPr lang="en-US" b="0" baseline="0" dirty="0" smtClean="0"/>
+              <a:t>https://</a:t>
+            </a:r>
+            <a:r>
+              <a:rPr lang="en-US" b="0" baseline="0" dirty="0" err="1" smtClean="0"/>
+              <a:t>github.com</a:t>
+            </a:r>
+            <a:r>
+              <a:rPr lang="en-US" b="0" baseline="0" dirty="0" smtClean="0"/>
+              <a:t>/</a:t>
+            </a:r>
+            <a:r>
+              <a:rPr lang="en-US" b="0" baseline="0" dirty="0" err="1" smtClean="0"/>
+              <a:t>MSFTImagine</a:t>
+            </a:r>
+            <a:r>
+              <a:rPr lang="en-US" b="0" baseline="0" dirty="0" smtClean="0"/>
+              <a:t>/</a:t>
+            </a:r>
+            <a:r>
+              <a:rPr lang="en-US" b="0" baseline="0" dirty="0" err="1" smtClean="0"/>
+              <a:t>computerscience</a:t>
+            </a:r>
+            <a:r>
+              <a:rPr lang="en-US" b="0" baseline="0" dirty="0" smtClean="0"/>
+              <a:t>/tree/master/Instructor-Led/Module4/Labs/</a:t>
+            </a:r>
           </a:p>
         </p:txBody>
       </p:sp>
@@ -2687,7 +2750,7 @@
             <a:fld id="{0459C166-16D3-4A25-A2F8-C51E0E346B22}" type="datetimeFigureOut">
               <a:rPr lang="en-US" smtClean="0"/>
               <a:pPr/>
-              <a:t>6/22/16</a:t>
+              <a:t>6/23/16</a:t>
             </a:fld>
             <a:endParaRPr lang="en-US"/>
           </a:p>
@@ -3053,7 +3116,7 @@
             <a:fld id="{0459C166-16D3-4A25-A2F8-C51E0E346B22}" type="datetimeFigureOut">
               <a:rPr lang="en-US" smtClean="0"/>
               <a:pPr/>
-              <a:t>6/22/16</a:t>
+              <a:t>6/23/16</a:t>
             </a:fld>
             <a:endParaRPr lang="en-US"/>
           </a:p>
@@ -3172,7 +3235,7 @@
             <a:fld id="{0459C166-16D3-4A25-A2F8-C51E0E346B22}" type="datetimeFigureOut">
               <a:rPr lang="en-US" smtClean="0"/>
               <a:pPr/>
-              <a:t>6/22/16</a:t>
+              <a:t>6/23/16</a:t>
             </a:fld>
             <a:endParaRPr lang="en-US"/>
           </a:p>
@@ -3269,7 +3332,7 @@
             <a:fld id="{0459C166-16D3-4A25-A2F8-C51E0E346B22}" type="datetimeFigureOut">
               <a:rPr lang="en-US" smtClean="0"/>
               <a:pPr/>
-              <a:t>6/22/16</a:t>
+              <a:t>6/23/16</a:t>
             </a:fld>
             <a:endParaRPr lang="en-US"/>
           </a:p>
@@ -3546,7 +3609,7 @@
             <a:fld id="{0459C166-16D3-4A25-A2F8-C51E0E346B22}" type="datetimeFigureOut">
               <a:rPr lang="en-US" smtClean="0"/>
               <a:pPr/>
-              <a:t>6/22/16</a:t>
+              <a:t>6/23/16</a:t>
             </a:fld>
             <a:endParaRPr lang="en-US"/>
           </a:p>
@@ -3800,7 +3863,7 @@
             <a:fld id="{0459C166-16D3-4A25-A2F8-C51E0E346B22}" type="datetimeFigureOut">
               <a:rPr lang="en-US" smtClean="0"/>
               <a:pPr/>
-              <a:t>6/22/16</a:t>
+              <a:t>6/23/16</a:t>
             </a:fld>
             <a:endParaRPr lang="en-US"/>
           </a:p>
@@ -3970,7 +4033,7 @@
             <a:fld id="{0459C166-16D3-4A25-A2F8-C51E0E346B22}" type="datetimeFigureOut">
               <a:rPr lang="en-US" smtClean="0"/>
               <a:pPr/>
-              <a:t>6/22/16</a:t>
+              <a:t>6/23/16</a:t>
             </a:fld>
             <a:endParaRPr lang="en-US"/>
           </a:p>
@@ -4150,7 +4213,7 @@
             <a:fld id="{0459C166-16D3-4A25-A2F8-C51E0E346B22}" type="datetimeFigureOut">
               <a:rPr lang="en-US" smtClean="0"/>
               <a:pPr/>
-              <a:t>6/22/16</a:t>
+              <a:t>6/23/16</a:t>
             </a:fld>
             <a:endParaRPr lang="en-US"/>
           </a:p>
@@ -4365,7 +4428,7 @@
                 <a:latin typeface="Segoe UI"/>
               </a:rPr>
               <a:pPr/>
-              <a:t>6/22/16</a:t>
+              <a:t>6/23/16</a:t>
             </a:fld>
             <a:endParaRPr lang="en-US">
               <a:solidFill>
@@ -4570,7 +4633,7 @@
                 <a:latin typeface="Segoe UI"/>
               </a:rPr>
               <a:pPr/>
-              <a:t>6/22/16</a:t>
+              <a:t>6/23/16</a:t>
             </a:fld>
             <a:endParaRPr lang="en-US">
               <a:solidFill>
@@ -4868,7 +4931,7 @@
                 <a:latin typeface="Segoe UI"/>
               </a:rPr>
               <a:pPr/>
-              <a:t>6/22/16</a:t>
+              <a:t>6/23/16</a:t>
             </a:fld>
             <a:endParaRPr lang="en-US">
               <a:solidFill>
@@ -5074,7 +5137,7 @@
             <a:fld id="{0459C166-16D3-4A25-A2F8-C51E0E346B22}" type="datetimeFigureOut">
               <a:rPr lang="en-US" smtClean="0"/>
               <a:pPr/>
-              <a:t>6/22/16</a:t>
+              <a:t>6/23/16</a:t>
             </a:fld>
             <a:endParaRPr lang="en-US"/>
           </a:p>
@@ -5382,7 +5445,7 @@
                 <a:latin typeface="Segoe UI"/>
               </a:rPr>
               <a:pPr/>
-              <a:t>6/22/16</a:t>
+              <a:t>6/23/16</a:t>
             </a:fld>
             <a:endParaRPr lang="en-US">
               <a:solidFill>
@@ -5757,7 +5820,7 @@
                 <a:latin typeface="Segoe UI"/>
               </a:rPr>
               <a:pPr/>
-              <a:t>6/22/16</a:t>
+              <a:t>6/23/16</a:t>
             </a:fld>
             <a:endParaRPr lang="en-US">
               <a:solidFill>
@@ -6701,7 +6764,7 @@
                 <a:latin typeface="Segoe UI"/>
               </a:rPr>
               <a:pPr/>
-              <a:t>6/22/16</a:t>
+              <a:t>6/23/16</a:t>
             </a:fld>
             <a:endParaRPr lang="en-US">
               <a:solidFill>
@@ -7102,7 +7165,7 @@
                 <a:latin typeface="Segoe UI"/>
               </a:rPr>
               <a:pPr/>
-              <a:t>6/22/16</a:t>
+              <a:t>6/23/16</a:t>
             </a:fld>
             <a:endParaRPr lang="en-US">
               <a:solidFill>
@@ -7256,7 +7319,7 @@
                 <a:latin typeface="Segoe UI"/>
               </a:rPr>
               <a:pPr/>
-              <a:t>6/22/16</a:t>
+              <a:t>6/23/16</a:t>
             </a:fld>
             <a:endParaRPr lang="en-US">
               <a:solidFill>
@@ -7388,7 +7451,7 @@
                 <a:latin typeface="Segoe UI"/>
               </a:rPr>
               <a:pPr/>
-              <a:t>6/22/16</a:t>
+              <a:t>6/23/16</a:t>
             </a:fld>
             <a:endParaRPr lang="en-US">
               <a:solidFill>
@@ -7700,7 +7763,7 @@
                 <a:latin typeface="Segoe UI"/>
               </a:rPr>
               <a:pPr/>
-              <a:t>6/22/16</a:t>
+              <a:t>6/23/16</a:t>
             </a:fld>
             <a:endParaRPr lang="en-US">
               <a:solidFill>
@@ -7993,7 +8056,7 @@
             <a:fld id="{0459C166-16D3-4A25-A2F8-C51E0E346B22}" type="datetimeFigureOut">
               <a:rPr lang="en-US" smtClean="0"/>
               <a:pPr/>
-              <a:t>6/22/16</a:t>
+              <a:t>6/23/16</a:t>
             </a:fld>
             <a:endParaRPr lang="en-US"/>
           </a:p>
@@ -8270,7 +8333,7 @@
                 <a:latin typeface="Segoe UI"/>
               </a:rPr>
               <a:pPr/>
-              <a:t>6/22/16</a:t>
+              <a:t>6/23/16</a:t>
             </a:fld>
             <a:endParaRPr lang="en-US">
               <a:solidFill>
@@ -8475,7 +8538,7 @@
                 <a:latin typeface="Segoe UI"/>
               </a:rPr>
               <a:pPr/>
-              <a:t>6/22/16</a:t>
+              <a:t>6/23/16</a:t>
             </a:fld>
             <a:endParaRPr lang="en-US">
               <a:solidFill>
@@ -8690,7 +8753,7 @@
                 <a:latin typeface="Segoe UI"/>
               </a:rPr>
               <a:pPr/>
-              <a:t>6/22/16</a:t>
+              <a:t>6/23/16</a:t>
             </a:fld>
             <a:endParaRPr lang="en-US">
               <a:solidFill>
@@ -8935,7 +8998,7 @@
                 <a:latin typeface="Segoe UI"/>
               </a:rPr>
               <a:pPr/>
-              <a:t>6/22/16</a:t>
+              <a:t>6/23/16</a:t>
             </a:fld>
             <a:endParaRPr lang="en-US">
               <a:solidFill>
@@ -9140,7 +9203,7 @@
                 <a:latin typeface="Segoe UI"/>
               </a:rPr>
               <a:pPr/>
-              <a:t>6/22/16</a:t>
+              <a:t>6/23/16</a:t>
             </a:fld>
             <a:endParaRPr lang="en-US">
               <a:solidFill>
@@ -9438,7 +9501,7 @@
                 <a:latin typeface="Segoe UI"/>
               </a:rPr>
               <a:pPr/>
-              <a:t>6/22/16</a:t>
+              <a:t>6/23/16</a:t>
             </a:fld>
             <a:endParaRPr lang="en-US">
               <a:solidFill>
@@ -9782,7 +9845,7 @@
                 <a:latin typeface="Segoe UI"/>
               </a:rPr>
               <a:pPr/>
-              <a:t>6/22/16</a:t>
+              <a:t>6/23/16</a:t>
             </a:fld>
             <a:endParaRPr lang="en-US">
               <a:solidFill>
@@ -10157,7 +10220,7 @@
                 <a:latin typeface="Segoe UI"/>
               </a:rPr>
               <a:pPr/>
-              <a:t>6/22/16</a:t>
+              <a:t>6/23/16</a:t>
             </a:fld>
             <a:endParaRPr lang="en-US">
               <a:solidFill>
@@ -11283,7 +11346,7 @@
                 <a:latin typeface="Segoe UI"/>
               </a:rPr>
               <a:pPr/>
-              <a:t>6/22/16</a:t>
+              <a:t>6/23/16</a:t>
             </a:fld>
             <a:endParaRPr lang="en-US">
               <a:solidFill>
@@ -11684,7 +11747,7 @@
                 <a:latin typeface="Segoe UI"/>
               </a:rPr>
               <a:pPr/>
-              <a:t>6/22/16</a:t>
+              <a:t>6/23/16</a:t>
             </a:fld>
             <a:endParaRPr lang="en-US">
               <a:solidFill>
@@ -11838,7 +11901,7 @@
                 <a:latin typeface="Segoe UI"/>
               </a:rPr>
               <a:pPr/>
-              <a:t>6/22/16</a:t>
+              <a:t>6/23/16</a:t>
             </a:fld>
             <a:endParaRPr lang="en-US">
               <a:solidFill>
@@ -11970,7 +12033,7 @@
                 <a:latin typeface="Segoe UI"/>
               </a:rPr>
               <a:pPr/>
-              <a:t>6/22/16</a:t>
+              <a:t>6/23/16</a:t>
             </a:fld>
             <a:endParaRPr lang="en-US">
               <a:solidFill>
@@ -12282,7 +12345,7 @@
                 <a:latin typeface="Segoe UI"/>
               </a:rPr>
               <a:pPr/>
-              <a:t>6/22/16</a:t>
+              <a:t>6/23/16</a:t>
             </a:fld>
             <a:endParaRPr lang="en-US">
               <a:solidFill>
@@ -12571,7 +12634,7 @@
                 <a:latin typeface="Segoe UI"/>
               </a:rPr>
               <a:pPr/>
-              <a:t>6/22/16</a:t>
+              <a:t>6/23/16</a:t>
             </a:fld>
             <a:endParaRPr lang="en-US">
               <a:solidFill>
@@ -12776,7 +12839,7 @@
                 <a:latin typeface="Segoe UI"/>
               </a:rPr>
               <a:pPr/>
-              <a:t>6/22/16</a:t>
+              <a:t>6/23/16</a:t>
             </a:fld>
             <a:endParaRPr lang="en-US">
               <a:solidFill>
@@ -12991,7 +13054,7 @@
                 <a:latin typeface="Segoe UI"/>
               </a:rPr>
               <a:pPr/>
-              <a:t>6/22/16</a:t>
+              <a:t>6/23/16</a:t>
             </a:fld>
             <a:endParaRPr lang="en-US">
               <a:solidFill>
@@ -13333,7 +13396,7 @@
             <a:fld id="{0459C166-16D3-4A25-A2F8-C51E0E346B22}" type="datetimeFigureOut">
               <a:rPr lang="en-US" smtClean="0"/>
               <a:pPr/>
-              <a:t>6/22/16</a:t>
+              <a:t>6/23/16</a:t>
             </a:fld>
             <a:endParaRPr lang="en-US"/>
           </a:p>
@@ -17278,7 +17341,7 @@
             <a:fld id="{0459C166-16D3-4A25-A2F8-C51E0E346B22}" type="datetimeFigureOut">
               <a:rPr lang="en-US" smtClean="0"/>
               <a:pPr/>
-              <a:t>6/22/16</a:t>
+              <a:t>6/23/16</a:t>
             </a:fld>
             <a:endParaRPr lang="en-US"/>
           </a:p>
@@ -24266,7 +24329,7 @@
                 <a:latin typeface="Segoe UI"/>
               </a:rPr>
               <a:pPr/>
-              <a:t>6/22/16</a:t>
+              <a:t>6/23/16</a:t>
             </a:fld>
             <a:endParaRPr lang="en-US">
               <a:solidFill>
@@ -24975,7 +25038,7 @@
             <a:fld id="{0459C166-16D3-4A25-A2F8-C51E0E346B22}" type="datetimeFigureOut">
               <a:rPr lang="en-US" smtClean="0"/>
               <a:pPr/>
-              <a:t>6/22/16</a:t>
+              <a:t>6/23/16</a:t>
             </a:fld>
             <a:endParaRPr lang="en-US"/>
           </a:p>
@@ -25188,7 +25251,7 @@
             <a:fld id="{0459C166-16D3-4A25-A2F8-C51E0E346B22}" type="datetimeFigureOut">
               <a:rPr lang="en-US" smtClean="0"/>
               <a:pPr/>
-              <a:t>6/22/16</a:t>
+              <a:t>6/23/16</a:t>
             </a:fld>
             <a:endParaRPr lang="en-US"/>
           </a:p>
@@ -25740,7 +25803,7 @@
                 <a:latin typeface="Segoe UI"/>
               </a:rPr>
               <a:pPr/>
-              <a:t>6/22/16</a:t>
+              <a:t>6/23/16</a:t>
             </a:fld>
             <a:endParaRPr lang="en-US">
               <a:solidFill>
@@ -26320,7 +26383,7 @@
                 <a:latin typeface="Segoe UI"/>
               </a:rPr>
               <a:pPr/>
-              <a:t>6/22/16</a:t>
+              <a:t>6/23/16</a:t>
             </a:fld>
             <a:endParaRPr lang="en-US">
               <a:solidFill>
